--- a/syYing/slides.pptx
+++ b/syYing/slides.pptx
@@ -7,6 +7,9 @@
   <p:sldIdLst>
     <p:sldId id="256" r:id="rId2"/>
     <p:sldId id="257" r:id="rId3"/>
+    <p:sldId id="258" r:id="rId4"/>
+    <p:sldId id="259" r:id="rId5"/>
+    <p:sldId id="260" r:id="rId6"/>
   </p:sldIdLst>
   <p:sldSz cx="12192000" cy="6858000"/>
   <p:notesSz cx="6858000" cy="9144000"/>
@@ -105,6 +108,11 @@
       </a:defRPr>
     </a:lvl9pPr>
   </p:defaultTextStyle>
+  <p:extLst>
+    <p:ext uri="{EFAFB233-063F-42B5-8137-9DF3F51BA10A}">
+      <p15:sldGuideLst xmlns:p15="http://schemas.microsoft.com/office/powerpoint/2012/main"/>
+    </p:ext>
+  </p:extLst>
 </p:presentation>
 </file>
 
@@ -239,7 +247,7 @@
           <a:p>
             <a:fld id="{DE8BD430-E2D2-594E-B6AF-4EE6CB881D48}" type="datetimeFigureOut">
               <a:rPr lang="en-US" smtClean="0"/>
-              <a:t>3/12/19</a:t>
+              <a:t>3/20/19</a:t>
             </a:fld>
             <a:endParaRPr lang="en-US"/>
           </a:p>
@@ -409,7 +417,7 @@
           <a:p>
             <a:fld id="{DE8BD430-E2D2-594E-B6AF-4EE6CB881D48}" type="datetimeFigureOut">
               <a:rPr lang="en-US" smtClean="0"/>
-              <a:t>3/12/19</a:t>
+              <a:t>3/20/19</a:t>
             </a:fld>
             <a:endParaRPr lang="en-US"/>
           </a:p>
@@ -589,7 +597,7 @@
           <a:p>
             <a:fld id="{DE8BD430-E2D2-594E-B6AF-4EE6CB881D48}" type="datetimeFigureOut">
               <a:rPr lang="en-US" smtClean="0"/>
-              <a:t>3/12/19</a:t>
+              <a:t>3/20/19</a:t>
             </a:fld>
             <a:endParaRPr lang="en-US"/>
           </a:p>
@@ -759,7 +767,7 @@
           <a:p>
             <a:fld id="{DE8BD430-E2D2-594E-B6AF-4EE6CB881D48}" type="datetimeFigureOut">
               <a:rPr lang="en-US" smtClean="0"/>
-              <a:t>3/12/19</a:t>
+              <a:t>3/20/19</a:t>
             </a:fld>
             <a:endParaRPr lang="en-US"/>
           </a:p>
@@ -1005,7 +1013,7 @@
           <a:p>
             <a:fld id="{DE8BD430-E2D2-594E-B6AF-4EE6CB881D48}" type="datetimeFigureOut">
               <a:rPr lang="en-US" smtClean="0"/>
-              <a:t>3/12/19</a:t>
+              <a:t>3/20/19</a:t>
             </a:fld>
             <a:endParaRPr lang="en-US"/>
           </a:p>
@@ -1237,7 +1245,7 @@
           <a:p>
             <a:fld id="{DE8BD430-E2D2-594E-B6AF-4EE6CB881D48}" type="datetimeFigureOut">
               <a:rPr lang="en-US" smtClean="0"/>
-              <a:t>3/12/19</a:t>
+              <a:t>3/20/19</a:t>
             </a:fld>
             <a:endParaRPr lang="en-US"/>
           </a:p>
@@ -1604,7 +1612,7 @@
           <a:p>
             <a:fld id="{DE8BD430-E2D2-594E-B6AF-4EE6CB881D48}" type="datetimeFigureOut">
               <a:rPr lang="en-US" smtClean="0"/>
-              <a:t>3/12/19</a:t>
+              <a:t>3/20/19</a:t>
             </a:fld>
             <a:endParaRPr lang="en-US"/>
           </a:p>
@@ -1722,7 +1730,7 @@
           <a:p>
             <a:fld id="{DE8BD430-E2D2-594E-B6AF-4EE6CB881D48}" type="datetimeFigureOut">
               <a:rPr lang="en-US" smtClean="0"/>
-              <a:t>3/12/19</a:t>
+              <a:t>3/20/19</a:t>
             </a:fld>
             <a:endParaRPr lang="en-US"/>
           </a:p>
@@ -1817,7 +1825,7 @@
           <a:p>
             <a:fld id="{DE8BD430-E2D2-594E-B6AF-4EE6CB881D48}" type="datetimeFigureOut">
               <a:rPr lang="en-US" smtClean="0"/>
-              <a:t>3/12/19</a:t>
+              <a:t>3/20/19</a:t>
             </a:fld>
             <a:endParaRPr lang="en-US"/>
           </a:p>
@@ -2094,7 +2102,7 @@
           <a:p>
             <a:fld id="{DE8BD430-E2D2-594E-B6AF-4EE6CB881D48}" type="datetimeFigureOut">
               <a:rPr lang="en-US" smtClean="0"/>
-              <a:t>3/12/19</a:t>
+              <a:t>3/20/19</a:t>
             </a:fld>
             <a:endParaRPr lang="en-US"/>
           </a:p>
@@ -2347,7 +2355,7 @@
           <a:p>
             <a:fld id="{DE8BD430-E2D2-594E-B6AF-4EE6CB881D48}" type="datetimeFigureOut">
               <a:rPr lang="en-US" smtClean="0"/>
-              <a:t>3/12/19</a:t>
+              <a:t>3/20/19</a:t>
             </a:fld>
             <a:endParaRPr lang="en-US"/>
           </a:p>
@@ -2560,7 +2568,7 @@
           <a:p>
             <a:fld id="{DE8BD430-E2D2-594E-B6AF-4EE6CB881D48}" type="datetimeFigureOut">
               <a:rPr lang="en-US" smtClean="0"/>
-              <a:t>3/12/19</a:t>
+              <a:t>3/20/19</a:t>
             </a:fld>
             <a:endParaRPr lang="en-US"/>
           </a:p>
@@ -2973,8 +2981,8 @@
         </p:nvSpPr>
         <p:spPr>
           <a:xfrm>
-            <a:off x="4470399" y="2246489"/>
-            <a:ext cx="4131734" cy="2031325"/>
+            <a:off x="2856089" y="2257777"/>
+            <a:ext cx="6412089" cy="1754326"/>
           </a:xfrm>
           <a:prstGeom prst="rect">
             <a:avLst/>
@@ -2988,64 +2996,52 @@
           <a:lstStyle/>
           <a:p>
             <a:r>
+              <a:rPr lang="zh-CN" altLang="en-US" dirty="0"/>
+              <a:t>多级彩色图像分割的差分进化与细胞差分进化</a:t>
+            </a:r>
+            <a:r>
               <a:rPr lang="zh-CN" altLang="en-US" dirty="0" smtClean="0"/>
-              <a:t>差分进化算法</a:t>
+              <a:t>研究</a:t>
             </a:r>
             <a:endParaRPr lang="en-US" altLang="zh-CN" dirty="0" smtClean="0"/>
           </a:p>
           <a:p>
+            <a:endParaRPr lang="en-US" altLang="zh-CN" dirty="0"/>
+          </a:p>
+          <a:p>
+            <a:r>
+              <a:rPr lang="en-US" dirty="0" err="1"/>
+              <a:t>Bouteldja</a:t>
+            </a:r>
+            <a:r>
+              <a:rPr lang="en-US" dirty="0"/>
+              <a:t>, Mohamed </a:t>
+            </a:r>
+            <a:r>
+              <a:rPr lang="en-US" dirty="0" err="1"/>
+              <a:t>Abdou</a:t>
+            </a:r>
+            <a:r>
+              <a:rPr lang="en-US" dirty="0"/>
+              <a:t>, and Mohamed </a:t>
+            </a:r>
+            <a:r>
+              <a:rPr lang="en-US" dirty="0" err="1"/>
+              <a:t>Batouche</a:t>
+            </a:r>
+            <a:r>
+              <a:rPr lang="en-US" dirty="0"/>
+              <a:t>. "A study on differential evolution and cellular differential evolution for multilevel color image segmentation." </a:t>
+            </a:r>
+            <a:r>
+              <a:rPr lang="en-US" i="1" dirty="0"/>
+              <a:t>2017 Intelligent Systems and Computer Vision (ISCV)</a:t>
+            </a:r>
+            <a:r>
+              <a:rPr lang="en-US" dirty="0"/>
+              <a:t>. IEEE, 2017.</a:t>
+            </a:r>
             <a:endParaRPr lang="en-US" altLang="zh-CN" dirty="0" smtClean="0"/>
-          </a:p>
-          <a:p>
-            <a:r>
-              <a:rPr lang="zh-CN" altLang="en-US" dirty="0" smtClean="0"/>
-              <a:t>大纲</a:t>
-            </a:r>
-            <a:endParaRPr lang="en-US" altLang="zh-CN" dirty="0" smtClean="0"/>
-          </a:p>
-          <a:p>
-            <a:r>
-              <a:rPr lang="en-US" altLang="zh-CN" dirty="0" smtClean="0"/>
-              <a:t>1.</a:t>
-            </a:r>
-            <a:r>
-              <a:rPr lang="zh-CN" altLang="en-US" dirty="0" smtClean="0"/>
-              <a:t>国内外研究现状</a:t>
-            </a:r>
-            <a:endParaRPr lang="en-US" altLang="zh-CN" dirty="0" smtClean="0"/>
-          </a:p>
-          <a:p>
-            <a:r>
-              <a:rPr lang="en-US" altLang="zh-CN" dirty="0" smtClean="0"/>
-              <a:t>2.</a:t>
-            </a:r>
-            <a:r>
-              <a:rPr lang="zh-CN" altLang="en-US" dirty="0" smtClean="0"/>
-              <a:t>差分进化算法存在的问题</a:t>
-            </a:r>
-            <a:endParaRPr lang="en-US" altLang="zh-CN" dirty="0" smtClean="0"/>
-          </a:p>
-          <a:p>
-            <a:r>
-              <a:rPr lang="en-US" altLang="zh-CN" dirty="0" smtClean="0"/>
-              <a:t>3.</a:t>
-            </a:r>
-            <a:r>
-              <a:rPr lang="zh-CN" altLang="en-US" dirty="0" smtClean="0"/>
-              <a:t>差分进化算法的改进策略</a:t>
-            </a:r>
-            <a:endParaRPr lang="en-US" altLang="zh-CN" dirty="0" smtClean="0"/>
-          </a:p>
-          <a:p>
-            <a:r>
-              <a:rPr lang="en-US" altLang="zh-CN" dirty="0" smtClean="0"/>
-              <a:t>4.</a:t>
-            </a:r>
-            <a:r>
-              <a:rPr lang="zh-CN" altLang="en-US" dirty="0" smtClean="0"/>
-              <a:t>总结与展望</a:t>
-            </a:r>
-            <a:endParaRPr lang="en-US" dirty="0"/>
           </a:p>
         </p:txBody>
       </p:sp>
@@ -3087,8 +3083,8 @@
         </p:nvSpPr>
         <p:spPr>
           <a:xfrm>
-            <a:off x="2201334" y="1580445"/>
-            <a:ext cx="7608711" cy="3139321"/>
+            <a:off x="936978" y="959555"/>
+            <a:ext cx="10329333" cy="4247317"/>
           </a:xfrm>
           <a:prstGeom prst="rect">
             <a:avLst/>
@@ -3103,67 +3099,80 @@
           <a:p>
             <a:r>
               <a:rPr lang="zh-CN" altLang="en-US" dirty="0" smtClean="0"/>
-              <a:t>参考文献</a:t>
+              <a:t>一、论文介绍</a:t>
             </a:r>
             <a:endParaRPr lang="en-US" altLang="zh-CN" dirty="0" smtClean="0"/>
           </a:p>
           <a:p>
-            <a:r>
-              <a:rPr lang="en-US" altLang="zh-CN" dirty="0" smtClean="0"/>
-              <a:t>1.</a:t>
-            </a:r>
-            <a:r>
-              <a:rPr lang="en-US" dirty="0" smtClean="0"/>
-              <a:t>Chiou </a:t>
+            <a:endParaRPr lang="en-US" altLang="zh-CN" dirty="0" smtClean="0"/>
+          </a:p>
+          <a:p>
+            <a:pPr>
+              <a:lnSpc>
+                <a:spcPct val="150000"/>
+              </a:lnSpc>
+            </a:pPr>
+            <a:r>
+              <a:rPr lang="zh-CN" altLang="en-US" dirty="0" smtClean="0">
+                <a:latin typeface="+mn-ea"/>
+              </a:rPr>
+              <a:t>图像</a:t>
+            </a:r>
+            <a:r>
+              <a:rPr lang="zh-CN" altLang="en-US" dirty="0">
+                <a:latin typeface="+mn-ea"/>
+              </a:rPr>
+              <a:t>分割是将图像分割成多个区域的过程，并且广泛用于分离和搜索给定图像内的特定对象。多级阈值处理是用于分割图像的最重要技术之一。然而，选择最佳阈值仍然是一个具有挑战性的问题。由于进化算法在十年中被应用于文献中以提高多级阈值方法的准确性和计算效率，因此在许多情况下，这种随机算法可能过早地收敛到局部最优并且缺乏准确性和稳定性。结构化进化算法的提出就是来克服这些限制。因此，这篇论文的研究工作的主要目的是提出一种基于细胞差分进化的多级阈值分割方法，用于彩色图像分割。本文中提出了一项比较性能研究，以评估标准</a:t>
+            </a:r>
+            <a:r>
+              <a:rPr lang="en-US" dirty="0">
+                <a:latin typeface="+mn-ea"/>
+              </a:rPr>
+              <a:t>DE</a:t>
+            </a:r>
+            <a:r>
+              <a:rPr lang="zh-CN" altLang="en-US" dirty="0">
+                <a:latin typeface="+mn-ea"/>
+              </a:rPr>
+              <a:t>和</a:t>
+            </a:r>
+            <a:r>
+              <a:rPr lang="en-US" dirty="0">
+                <a:latin typeface="+mn-ea"/>
+              </a:rPr>
+              <a:t>Cellular DE</a:t>
+            </a:r>
+            <a:r>
+              <a:rPr lang="zh-CN" altLang="en-US" dirty="0">
+                <a:latin typeface="+mn-ea"/>
+              </a:rPr>
+              <a:t>的效率和准确性，还展示了这项比较研究的结果，该研究表明</a:t>
+            </a:r>
+            <a:r>
+              <a:rPr lang="en-US" dirty="0">
+                <a:latin typeface="+mn-ea"/>
+              </a:rPr>
+              <a:t>DE</a:t>
+            </a:r>
+            <a:r>
+              <a:rPr lang="zh-CN" altLang="en-US" dirty="0">
+                <a:latin typeface="+mn-ea"/>
+              </a:rPr>
+              <a:t>中的群体结构在准确性，稳健性和速度收敛方面提高了其性能，还通过使用众所周知的基准图像将其与其他三种算法进行比较来评估所提出的算法</a:t>
+            </a:r>
+            <a:r>
+              <a:rPr lang="zh-CN" altLang="en-US" dirty="0" smtClean="0">
+                <a:latin typeface="+mn-ea"/>
+              </a:rPr>
+              <a:t>。</a:t>
             </a:r>
             <a:r>
               <a:rPr lang="en-US" dirty="0"/>
-              <a:t>J P, Wang F S. A hybrid method of differential evolution with application to optimal control problems of a bioprocess system[C]//1998 IEEE International Conference on Evolutionary Computation Proceedings. IEEE World Congress on Computational Intelligence (Cat. No. 98TH8360). IEEE, 1998: 627-632</a:t>
-            </a:r>
-            <a:r>
-              <a:rPr lang="en-US" dirty="0" smtClean="0"/>
-              <a:t>.</a:t>
-            </a:r>
-          </a:p>
-          <a:p>
-            <a:r>
-              <a:rPr lang="en-US" altLang="zh-CN" dirty="0" smtClean="0"/>
-              <a:t>2.</a:t>
-            </a:r>
-            <a:r>
-              <a:rPr lang="en-US" dirty="0"/>
-              <a:t> Thomsen R. Multimodal optimization using crowding-based differential evolution[C]//Proceedings of the 2004 Congress on Evolutionary Computation (IEEE Cat. No. 04TH8753). IEEE, 2004, 2: 1382-1389</a:t>
-            </a:r>
-            <a:r>
-              <a:rPr lang="en-US" dirty="0" smtClean="0"/>
-              <a:t>.</a:t>
-            </a:r>
-          </a:p>
-          <a:p>
-            <a:r>
-              <a:rPr lang="en-US" altLang="zh-CN" dirty="0" smtClean="0"/>
-              <a:t>3.</a:t>
-            </a:r>
-            <a:r>
-              <a:rPr lang="en-US" dirty="0"/>
-              <a:t> </a:t>
-            </a:r>
-            <a:r>
-              <a:rPr lang="en-US" dirty="0" err="1"/>
-              <a:t>Aslantas</a:t>
-            </a:r>
-            <a:r>
-              <a:rPr lang="en-US" dirty="0"/>
-              <a:t> V, </a:t>
-            </a:r>
-            <a:r>
-              <a:rPr lang="en-US" dirty="0" err="1"/>
-              <a:t>Tunckanat</a:t>
-            </a:r>
-            <a:r>
-              <a:rPr lang="en-US" dirty="0"/>
-              <a:t> M. Differential evolution algorithm for segmentation of wound images[C]//2007 IEEE International Symposium on Intelligent Signal Processing. IEEE, 2007: 1-5.</a:t>
-            </a:r>
+              <a:t> </a:t>
+            </a:r>
+          </a:p>
+          <a:p>
+            <a:endParaRPr lang="en-US" dirty="0"/>
           </a:p>
         </p:txBody>
       </p:sp>
@@ -3171,6 +3180,467 @@
     <p:extLst>
       <p:ext uri="{BB962C8B-B14F-4D97-AF65-F5344CB8AC3E}">
         <p14:creationId xmlns:p14="http://schemas.microsoft.com/office/powerpoint/2010/main" val="2102928465"/>
+      </p:ext>
+    </p:extLst>
+  </p:cSld>
+  <p:clrMapOvr>
+    <a:masterClrMapping/>
+  </p:clrMapOvr>
+</p:sld>
+</file>
+
+<file path=ppt/slides/slide3.xml><?xml version="1.0" encoding="utf-8"?>
+<p:sld xmlns:a="http://schemas.openxmlformats.org/drawingml/2006/main" xmlns:r="http://schemas.openxmlformats.org/officeDocument/2006/relationships" xmlns:p="http://schemas.openxmlformats.org/presentationml/2006/main">
+  <p:cSld>
+    <p:spTree>
+      <p:nvGrpSpPr>
+        <p:cNvPr id="1" name=""/>
+        <p:cNvGrpSpPr/>
+        <p:nvPr/>
+      </p:nvGrpSpPr>
+      <p:grpSpPr>
+        <a:xfrm>
+          <a:off x="0" y="0"/>
+          <a:ext cx="0" cy="0"/>
+          <a:chOff x="0" y="0"/>
+          <a:chExt cx="0" cy="0"/>
+        </a:xfrm>
+      </p:grpSpPr>
+      <p:sp>
+        <p:nvSpPr>
+          <p:cNvPr id="3" name="TextBox 2"/>
+          <p:cNvSpPr txBox="1"/>
+          <p:nvPr/>
+        </p:nvSpPr>
+        <p:spPr>
+          <a:xfrm>
+            <a:off x="1095022" y="948267"/>
+            <a:ext cx="10024534" cy="5174430"/>
+          </a:xfrm>
+          <a:prstGeom prst="rect">
+            <a:avLst/>
+          </a:prstGeom>
+          <a:noFill/>
+        </p:spPr>
+        <p:txBody>
+          <a:bodyPr wrap="square" rtlCol="0">
+            <a:spAutoFit/>
+          </a:bodyPr>
+          <a:lstStyle/>
+          <a:p>
+            <a:r>
+              <a:rPr lang="zh-CN" altLang="en-US" dirty="0" smtClean="0"/>
+              <a:t>二、进化算法在图像分割中的应用</a:t>
+            </a:r>
+            <a:endParaRPr lang="en-US" altLang="zh-CN" dirty="0" smtClean="0"/>
+          </a:p>
+          <a:p>
+            <a:endParaRPr lang="en-US" dirty="0"/>
+          </a:p>
+          <a:p>
+            <a:pPr>
+              <a:lnSpc>
+                <a:spcPct val="150000"/>
+              </a:lnSpc>
+            </a:pPr>
+            <a:r>
+              <a:rPr lang="zh-CN" altLang="en-US" dirty="0"/>
+              <a:t>图像分割包括将图像分成多个部分。这些部分描述了一些更有意义且更易于分析的结构。分割广泛用于各种领域，例如计算机视觉，对象识别，图像压缩等。存在各种方法来执行图像分割：其中最常用的是阈值处理。阈值处理方法使用从图像定义的一些特征来选择一组阈值。为了确定阈值，很多方法将阈值处理作为优化问题，通过最大化或最小化某些目标函数，例如类间方差，熵和交叉熵。根据阈值的数量，有双层阈值和多级阈值。大多数双层阈值处理方法可以很容易地扩展到多级阈值处理。然而，当阈值数量增加时，这些方法非常耗时。这些经典方法的另一种解决方案是进化算法，它们受到许多研究人员的极大关注，以解决多级阈值问题。在这类算法中，我们发现了遗传算法（</a:t>
+            </a:r>
+            <a:r>
+              <a:rPr lang="en-US" dirty="0"/>
+              <a:t>GA</a:t>
+            </a:r>
+            <a:r>
+              <a:rPr lang="zh-CN" altLang="en-US" dirty="0"/>
+              <a:t>），遗传编程（</a:t>
+            </a:r>
+            <a:r>
+              <a:rPr lang="en-US" dirty="0"/>
+              <a:t>GP</a:t>
+            </a:r>
+            <a:r>
+              <a:rPr lang="zh-CN" altLang="en-US" dirty="0"/>
+              <a:t>），进化规划（</a:t>
+            </a:r>
+            <a:r>
+              <a:rPr lang="en-US" dirty="0"/>
+              <a:t>EP</a:t>
+            </a:r>
+            <a:r>
+              <a:rPr lang="zh-CN" altLang="en-US" dirty="0"/>
+              <a:t>），进化策略（</a:t>
+            </a:r>
+            <a:r>
+              <a:rPr lang="en-US" dirty="0"/>
+              <a:t>ES</a:t>
+            </a:r>
+            <a:r>
+              <a:rPr lang="zh-CN" altLang="en-US" dirty="0"/>
+              <a:t>）和</a:t>
+            </a:r>
+            <a:r>
+              <a:rPr lang="zh-CN" altLang="en-US" dirty="0" smtClean="0"/>
+              <a:t>差分进化</a:t>
+            </a:r>
+            <a:r>
+              <a:rPr lang="zh-CN" altLang="en-US" dirty="0"/>
+              <a:t>（</a:t>
+            </a:r>
+            <a:r>
+              <a:rPr lang="en-US" dirty="0"/>
+              <a:t>DE</a:t>
+            </a:r>
+            <a:r>
+              <a:rPr lang="zh-CN" altLang="en-US" dirty="0"/>
+              <a:t>）。为了在</a:t>
+            </a:r>
+            <a:r>
+              <a:rPr lang="zh-CN" altLang="en-US" dirty="0" smtClean="0"/>
+              <a:t>优化该过程，文中对</a:t>
+            </a:r>
+            <a:r>
+              <a:rPr lang="zh-CN" altLang="en-US" dirty="0"/>
+              <a:t>进化算法引入</a:t>
+            </a:r>
+            <a:r>
+              <a:rPr lang="zh-CN" altLang="en-US" dirty="0" smtClean="0"/>
+              <a:t>了一些改进</a:t>
+            </a:r>
+            <a:r>
+              <a:rPr lang="zh-CN" altLang="en-US" dirty="0"/>
+              <a:t>，</a:t>
+            </a:r>
+            <a:r>
+              <a:rPr lang="zh-CN" altLang="en-US" dirty="0" smtClean="0"/>
+              <a:t>其中包括使用了结构化</a:t>
+            </a:r>
+            <a:r>
+              <a:rPr lang="zh-CN" altLang="en-US" dirty="0"/>
+              <a:t>的进化算法</a:t>
+            </a:r>
+            <a:r>
+              <a:rPr lang="zh-CN" altLang="en-US" dirty="0" smtClean="0"/>
+              <a:t>，群体</a:t>
+            </a:r>
+            <a:r>
+              <a:rPr lang="zh-CN" altLang="en-US" dirty="0"/>
+              <a:t>以某种方式</a:t>
+            </a:r>
+            <a:r>
+              <a:rPr lang="zh-CN" altLang="en-US" dirty="0" smtClean="0"/>
+              <a:t>分散，在</a:t>
+            </a:r>
+            <a:r>
+              <a:rPr lang="zh-CN" altLang="en-US" dirty="0"/>
+              <a:t>许多情况下，这些分散算法提供了更好的搜索空间采样，相对于标准版本中的等效算法，导致数值行为得到改善。</a:t>
+            </a:r>
+            <a:endParaRPr lang="en-US" dirty="0"/>
+          </a:p>
+        </p:txBody>
+      </p:sp>
+    </p:spTree>
+    <p:extLst>
+      <p:ext uri="{BB962C8B-B14F-4D97-AF65-F5344CB8AC3E}">
+        <p14:creationId xmlns:p14="http://schemas.microsoft.com/office/powerpoint/2010/main" val="841190237"/>
+      </p:ext>
+    </p:extLst>
+  </p:cSld>
+  <p:clrMapOvr>
+    <a:masterClrMapping/>
+  </p:clrMapOvr>
+</p:sld>
+</file>
+
+<file path=ppt/slides/slide4.xml><?xml version="1.0" encoding="utf-8"?>
+<p:sld xmlns:a="http://schemas.openxmlformats.org/drawingml/2006/main" xmlns:r="http://schemas.openxmlformats.org/officeDocument/2006/relationships" xmlns:p="http://schemas.openxmlformats.org/presentationml/2006/main">
+  <p:cSld>
+    <p:spTree>
+      <p:nvGrpSpPr>
+        <p:cNvPr id="1" name=""/>
+        <p:cNvGrpSpPr/>
+        <p:nvPr/>
+      </p:nvGrpSpPr>
+      <p:grpSpPr>
+        <a:xfrm>
+          <a:off x="0" y="0"/>
+          <a:ext cx="0" cy="0"/>
+          <a:chOff x="0" y="0"/>
+          <a:chExt cx="0" cy="0"/>
+        </a:xfrm>
+      </p:grpSpPr>
+      <p:sp>
+        <p:nvSpPr>
+          <p:cNvPr id="2" name="Rectangle 1"/>
+          <p:cNvSpPr/>
+          <p:nvPr/>
+        </p:nvSpPr>
+        <p:spPr>
+          <a:xfrm>
+            <a:off x="1049865" y="914400"/>
+            <a:ext cx="10035823" cy="3000821"/>
+          </a:xfrm>
+          <a:prstGeom prst="rect">
+            <a:avLst/>
+          </a:prstGeom>
+        </p:spPr>
+        <p:txBody>
+          <a:bodyPr wrap="square">
+            <a:spAutoFit/>
+          </a:bodyPr>
+          <a:lstStyle/>
+          <a:p>
+            <a:pPr>
+              <a:lnSpc>
+                <a:spcPct val="150000"/>
+              </a:lnSpc>
+            </a:pPr>
+            <a:r>
+              <a:rPr lang="zh-CN" altLang="en-US" dirty="0"/>
+              <a:t>在这项工作中</a:t>
+            </a:r>
+            <a:r>
+              <a:rPr lang="zh-CN" altLang="en-US" dirty="0" smtClean="0"/>
+              <a:t>，这篇论文提</a:t>
+            </a:r>
+            <a:r>
+              <a:rPr lang="zh-CN" altLang="en-US" dirty="0"/>
+              <a:t>出了一种基于 </a:t>
+            </a:r>
+            <a:r>
+              <a:rPr lang="en-US" dirty="0"/>
+              <a:t>Cellular DE</a:t>
+            </a:r>
+            <a:r>
+              <a:rPr lang="zh-CN" altLang="en-US" dirty="0"/>
+              <a:t>的多级阈值处理方法，用于分割彩色图像。这种</a:t>
+            </a:r>
+            <a:r>
+              <a:rPr lang="en-US" dirty="0"/>
+              <a:t>DE</a:t>
+            </a:r>
+            <a:r>
+              <a:rPr lang="zh-CN" altLang="en-US" dirty="0"/>
+              <a:t>使用邻域的概念，即个体可能只在繁殖循环中与其附近的邻居交互。</a:t>
+            </a:r>
+            <a:r>
+              <a:rPr lang="en-US" dirty="0"/>
+              <a:t> </a:t>
+            </a:r>
+            <a:r>
+              <a:rPr lang="en-US" dirty="0"/>
+              <a:t>Cellular </a:t>
+            </a:r>
+            <a:r>
+              <a:rPr lang="en-US" dirty="0" smtClean="0"/>
+              <a:t>DE</a:t>
+            </a:r>
+            <a:r>
+              <a:rPr lang="zh-CN" altLang="en-US" dirty="0"/>
+              <a:t>的重叠小邻域有助于探索搜索空间，因为解决方案通过群体的诱导缓慢扩散提供了一种探索，而探索通过遗传操作在每个邻域内发生。</a:t>
+            </a:r>
+            <a:endParaRPr lang="en-US" dirty="0"/>
+          </a:p>
+          <a:p>
+            <a:pPr>
+              <a:lnSpc>
+                <a:spcPct val="150000"/>
+              </a:lnSpc>
+            </a:pPr>
+            <a:r>
+              <a:rPr lang="en-US" dirty="0"/>
+              <a:t>	</a:t>
+            </a:r>
+          </a:p>
+          <a:p>
+            <a:pPr>
+              <a:lnSpc>
+                <a:spcPct val="150000"/>
+              </a:lnSpc>
+            </a:pPr>
+            <a:r>
+              <a:rPr lang="zh-CN" altLang="en-US" dirty="0"/>
+              <a:t>基于作为目标函数的类间</a:t>
+            </a:r>
+            <a:r>
+              <a:rPr lang="zh-CN" altLang="en-US" dirty="0"/>
+              <a:t>方差</a:t>
+            </a:r>
+            <a:r>
+              <a:rPr lang="zh-CN" altLang="en-US" dirty="0"/>
+              <a:t>，将所提出的</a:t>
+            </a:r>
+            <a:r>
+              <a:rPr lang="en-US" dirty="0"/>
+              <a:t>Cellular DE</a:t>
+            </a:r>
+            <a:r>
+              <a:rPr lang="zh-CN" altLang="en-US" dirty="0"/>
+              <a:t>的性能与</a:t>
+            </a:r>
+            <a:r>
+              <a:rPr lang="en-US" dirty="0"/>
+              <a:t>DE</a:t>
+            </a:r>
+            <a:r>
+              <a:rPr lang="zh-CN" altLang="en-US" dirty="0"/>
+              <a:t>的标准版本进行比较</a:t>
+            </a:r>
+            <a:r>
+              <a:rPr lang="zh-CN" altLang="en-US" dirty="0" smtClean="0"/>
+              <a:t>。实验结果表明，</a:t>
+            </a:r>
+            <a:r>
+              <a:rPr lang="en-US" altLang="zh-CN" dirty="0" smtClean="0"/>
+              <a:t>Cellular</a:t>
+            </a:r>
+            <a:r>
+              <a:rPr lang="zh-CN" altLang="en-US" dirty="0" smtClean="0"/>
+              <a:t> </a:t>
+            </a:r>
+            <a:r>
+              <a:rPr lang="en-US" altLang="zh-CN" dirty="0" smtClean="0"/>
+              <a:t>DE</a:t>
+            </a:r>
+            <a:r>
+              <a:rPr lang="zh-CN" altLang="en-US" dirty="0" smtClean="0"/>
+              <a:t> 具有优于标准 </a:t>
+            </a:r>
+            <a:r>
+              <a:rPr lang="en-US" altLang="zh-CN" dirty="0" smtClean="0"/>
+              <a:t>DE</a:t>
+            </a:r>
+            <a:r>
+              <a:rPr lang="zh-CN" altLang="en-US" dirty="0" smtClean="0"/>
+              <a:t> 的优点。</a:t>
+            </a:r>
+            <a:endParaRPr lang="en-US" dirty="0"/>
+          </a:p>
+        </p:txBody>
+      </p:sp>
+    </p:spTree>
+    <p:extLst>
+      <p:ext uri="{BB962C8B-B14F-4D97-AF65-F5344CB8AC3E}">
+        <p14:creationId xmlns:p14="http://schemas.microsoft.com/office/powerpoint/2010/main" val="1564224945"/>
+      </p:ext>
+    </p:extLst>
+  </p:cSld>
+  <p:clrMapOvr>
+    <a:masterClrMapping/>
+  </p:clrMapOvr>
+</p:sld>
+</file>
+
+<file path=ppt/slides/slide5.xml><?xml version="1.0" encoding="utf-8"?>
+<p:sld xmlns:a="http://schemas.openxmlformats.org/drawingml/2006/main" xmlns:r="http://schemas.openxmlformats.org/officeDocument/2006/relationships" xmlns:p="http://schemas.openxmlformats.org/presentationml/2006/main">
+  <p:cSld>
+    <p:spTree>
+      <p:nvGrpSpPr>
+        <p:cNvPr id="1" name=""/>
+        <p:cNvGrpSpPr/>
+        <p:nvPr/>
+      </p:nvGrpSpPr>
+      <p:grpSpPr>
+        <a:xfrm>
+          <a:off x="0" y="0"/>
+          <a:ext cx="0" cy="0"/>
+          <a:chOff x="0" y="0"/>
+          <a:chExt cx="0" cy="0"/>
+        </a:xfrm>
+      </p:grpSpPr>
+      <p:sp>
+        <p:nvSpPr>
+          <p:cNvPr id="2" name="TextBox 1"/>
+          <p:cNvSpPr txBox="1"/>
+          <p:nvPr/>
+        </p:nvSpPr>
+        <p:spPr>
+          <a:xfrm>
+            <a:off x="1004711" y="869244"/>
+            <a:ext cx="10250311" cy="2723823"/>
+          </a:xfrm>
+          <a:prstGeom prst="rect">
+            <a:avLst/>
+          </a:prstGeom>
+          <a:noFill/>
+        </p:spPr>
+        <p:txBody>
+          <a:bodyPr wrap="square" rtlCol="0">
+            <a:spAutoFit/>
+          </a:bodyPr>
+          <a:lstStyle/>
+          <a:p>
+            <a:r>
+              <a:rPr lang="zh-CN" altLang="en-US" dirty="0"/>
+              <a:t>三、 基于类别方差的多层</a:t>
+            </a:r>
+            <a:r>
+              <a:rPr lang="zh-CN" altLang="en-US" dirty="0" smtClean="0"/>
+              <a:t>阈值</a:t>
+            </a:r>
+            <a:endParaRPr lang="en-US" altLang="zh-CN" dirty="0" smtClean="0"/>
+          </a:p>
+          <a:p>
+            <a:endParaRPr lang="en-US" dirty="0"/>
+          </a:p>
+          <a:p>
+            <a:pPr>
+              <a:lnSpc>
+                <a:spcPct val="150000"/>
+              </a:lnSpc>
+            </a:pPr>
+            <a:r>
+              <a:rPr lang="zh-CN" altLang="en-US" dirty="0">
+                <a:latin typeface="+mn-ea"/>
+              </a:rPr>
+              <a:t>在多级阈值处理问题中，其目的是根据诸如类间</a:t>
+            </a:r>
+            <a:r>
+              <a:rPr lang="zh-CN" altLang="en-US" dirty="0" smtClean="0">
+                <a:latin typeface="+mn-ea"/>
+              </a:rPr>
+              <a:t>方差和熵之类</a:t>
+            </a:r>
+            <a:r>
+              <a:rPr lang="zh-CN" altLang="en-US" dirty="0">
+                <a:latin typeface="+mn-ea"/>
+              </a:rPr>
+              <a:t>的一些区分标准以最佳方式分离图像的灰度级区域。 在类间方差的情况下，目标是选择最大化这种目标函数的阈值。在本文中，考虑了彩色（</a:t>
+            </a:r>
+            <a:r>
+              <a:rPr lang="en-US" altLang="zh-CN" dirty="0">
+                <a:latin typeface="+mn-ea"/>
+              </a:rPr>
+              <a:t>RGB</a:t>
+            </a:r>
+            <a:r>
+              <a:rPr lang="zh-CN" altLang="en-US" dirty="0">
+                <a:latin typeface="+mn-ea"/>
+              </a:rPr>
+              <a:t>）图像的多级阈值问题。 在</a:t>
+            </a:r>
+            <a:r>
+              <a:rPr lang="en-US" altLang="zh-CN" dirty="0">
+                <a:latin typeface="+mn-ea"/>
+              </a:rPr>
+              <a:t>RGB</a:t>
+            </a:r>
+            <a:r>
+              <a:rPr lang="zh-CN" altLang="en-US" dirty="0">
+                <a:latin typeface="+mn-ea"/>
+              </a:rPr>
+              <a:t>图像中，通过组合三个分量（红色，绿色和蓝色）来计算每个像素的值。 每个组件分别被视为灰度图像。 因此，可以为每个组件写入多个阈值的目标函数，如下所示：</a:t>
+            </a:r>
+            <a:endParaRPr lang="en-US" dirty="0">
+              <a:latin typeface="+mn-ea"/>
+            </a:endParaRPr>
+          </a:p>
+        </p:txBody>
+      </p:sp>
+    </p:spTree>
+    <p:extLst>
+      <p:ext uri="{BB962C8B-B14F-4D97-AF65-F5344CB8AC3E}">
+        <p14:creationId xmlns:p14="http://schemas.microsoft.com/office/powerpoint/2010/main" val="1849874931"/>
       </p:ext>
     </p:extLst>
   </p:cSld>
